--- a/doc/Report/Feb 07 2019.pptx
+++ b/doc/Report/Feb 07 2019.pptx
@@ -220,7 +220,7 @@
           <a:p>
             <a:fld id="{97BE2177-E45B-449F-AE2E-ED4743253C6D}" type="datetimeFigureOut">
               <a:rPr lang="zh-CN" altLang="en-US" smtClean="0"/>
-              <a:t>2019/2/7</a:t>
+              <a:t>2019/2/17</a:t>
             </a:fld>
             <a:endParaRPr lang="zh-CN" altLang="en-US"/>
           </a:p>
@@ -718,7 +718,7 @@
           <a:p>
             <a:fld id="{B9614994-C529-43AC-BD2C-52D47B0301A5}" type="datetimeFigureOut">
               <a:rPr lang="zh-CN" altLang="en-US" smtClean="0"/>
-              <a:t>2019/2/7</a:t>
+              <a:t>2019/2/17</a:t>
             </a:fld>
             <a:endParaRPr lang="zh-CN" altLang="en-US"/>
           </a:p>
@@ -916,7 +916,7 @@
           <a:p>
             <a:fld id="{B9614994-C529-43AC-BD2C-52D47B0301A5}" type="datetimeFigureOut">
               <a:rPr lang="zh-CN" altLang="en-US" smtClean="0"/>
-              <a:t>2019/2/7</a:t>
+              <a:t>2019/2/17</a:t>
             </a:fld>
             <a:endParaRPr lang="zh-CN" altLang="en-US"/>
           </a:p>
@@ -1124,7 +1124,7 @@
           <a:p>
             <a:fld id="{B9614994-C529-43AC-BD2C-52D47B0301A5}" type="datetimeFigureOut">
               <a:rPr lang="zh-CN" altLang="en-US" smtClean="0"/>
-              <a:t>2019/2/7</a:t>
+              <a:t>2019/2/17</a:t>
             </a:fld>
             <a:endParaRPr lang="zh-CN" altLang="en-US"/>
           </a:p>
@@ -1322,7 +1322,7 @@
           <a:p>
             <a:fld id="{B9614994-C529-43AC-BD2C-52D47B0301A5}" type="datetimeFigureOut">
               <a:rPr lang="zh-CN" altLang="en-US" smtClean="0"/>
-              <a:t>2019/2/7</a:t>
+              <a:t>2019/2/17</a:t>
             </a:fld>
             <a:endParaRPr lang="zh-CN" altLang="en-US"/>
           </a:p>
@@ -1597,7 +1597,7 @@
           <a:p>
             <a:fld id="{B9614994-C529-43AC-BD2C-52D47B0301A5}" type="datetimeFigureOut">
               <a:rPr lang="zh-CN" altLang="en-US" smtClean="0"/>
-              <a:t>2019/2/7</a:t>
+              <a:t>2019/2/17</a:t>
             </a:fld>
             <a:endParaRPr lang="zh-CN" altLang="en-US"/>
           </a:p>
@@ -1862,7 +1862,7 @@
           <a:p>
             <a:fld id="{B9614994-C529-43AC-BD2C-52D47B0301A5}" type="datetimeFigureOut">
               <a:rPr lang="zh-CN" altLang="en-US" smtClean="0"/>
-              <a:t>2019/2/7</a:t>
+              <a:t>2019/2/17</a:t>
             </a:fld>
             <a:endParaRPr lang="zh-CN" altLang="en-US"/>
           </a:p>
@@ -2274,7 +2274,7 @@
           <a:p>
             <a:fld id="{B9614994-C529-43AC-BD2C-52D47B0301A5}" type="datetimeFigureOut">
               <a:rPr lang="zh-CN" altLang="en-US" smtClean="0"/>
-              <a:t>2019/2/7</a:t>
+              <a:t>2019/2/17</a:t>
             </a:fld>
             <a:endParaRPr lang="zh-CN" altLang="en-US"/>
           </a:p>
@@ -2415,7 +2415,7 @@
           <a:p>
             <a:fld id="{B9614994-C529-43AC-BD2C-52D47B0301A5}" type="datetimeFigureOut">
               <a:rPr lang="zh-CN" altLang="en-US" smtClean="0"/>
-              <a:t>2019/2/7</a:t>
+              <a:t>2019/2/17</a:t>
             </a:fld>
             <a:endParaRPr lang="zh-CN" altLang="en-US"/>
           </a:p>
@@ -2528,7 +2528,7 @@
           <a:p>
             <a:fld id="{B9614994-C529-43AC-BD2C-52D47B0301A5}" type="datetimeFigureOut">
               <a:rPr lang="zh-CN" altLang="en-US" smtClean="0"/>
-              <a:t>2019/2/7</a:t>
+              <a:t>2019/2/17</a:t>
             </a:fld>
             <a:endParaRPr lang="zh-CN" altLang="en-US"/>
           </a:p>
@@ -2839,7 +2839,7 @@
           <a:p>
             <a:fld id="{B9614994-C529-43AC-BD2C-52D47B0301A5}" type="datetimeFigureOut">
               <a:rPr lang="zh-CN" altLang="en-US" smtClean="0"/>
-              <a:t>2019/2/7</a:t>
+              <a:t>2019/2/17</a:t>
             </a:fld>
             <a:endParaRPr lang="zh-CN" altLang="en-US"/>
           </a:p>
@@ -3127,7 +3127,7 @@
           <a:p>
             <a:fld id="{B9614994-C529-43AC-BD2C-52D47B0301A5}" type="datetimeFigureOut">
               <a:rPr lang="zh-CN" altLang="en-US" smtClean="0"/>
-              <a:t>2019/2/7</a:t>
+              <a:t>2019/2/17</a:t>
             </a:fld>
             <a:endParaRPr lang="zh-CN" altLang="en-US"/>
           </a:p>
@@ -3368,7 +3368,7 @@
           <a:p>
             <a:fld id="{B9614994-C529-43AC-BD2C-52D47B0301A5}" type="datetimeFigureOut">
               <a:rPr lang="zh-CN" altLang="en-US" smtClean="0"/>
-              <a:t>2019/2/7</a:t>
+              <a:t>2019/2/17</a:t>
             </a:fld>
             <a:endParaRPr lang="zh-CN" altLang="en-US"/>
           </a:p>
